--- a/doc/Fake news challenge - prijedlog - prezentacija.pptx
+++ b/doc/Fake news challenge - prijedlog - prezentacija.pptx
@@ -3614,7 +3614,10 @@
           <a:bodyPr/>
           <a:lstStyle/>
           <a:p>
-            <a:endParaRPr lang="hr-HR" dirty="0"/>
+            <a:r>
+              <a:rPr lang="hr-HR" dirty="0"/>
+              <a:t>opis problema</a:t>
+            </a:r>
           </a:p>
         </p:txBody>
       </p:sp>
@@ -3661,7 +3664,7 @@
           <a:p>
             <a:r>
               <a:rPr lang="hr-HR" sz="2800" dirty="0"/>
-              <a:t> Treniranje modela - 49972 instanci koje se sastoje od naslova vijesti, sadržaja vijesti te odnosa naslova i sadržaja koji može biti jedan od: slaganje, neslaganje, diskusija i nepovezanost</a:t>
+              <a:t>Treniranje modela - 49972 instanci koje se sastoje od naslova vijesti, sadržaja vijesti te odnosa naslova i sadržaja koji može biti jedan od: slaganje, neslaganje, diskusija i nepovezanost</a:t>
             </a:r>
           </a:p>
         </p:txBody>
@@ -3720,68 +3723,32 @@
       </p:sp>
       <p:pic>
         <p:nvPicPr>
-          <p:cNvPr id="1026" name="Picture 2"/>
+          <p:cNvPr id="9" name="Slika 8">
+            <a:extLst>
+              <a:ext uri="{FF2B5EF4-FFF2-40B4-BE49-F238E27FC236}">
+                <a16:creationId xmlns:a16="http://schemas.microsoft.com/office/drawing/2014/main" id="{54289EF1-02AA-4714-8C57-25A5AF0C2A3D}"/>
+              </a:ext>
+            </a:extLst>
+          </p:cNvPr>
           <p:cNvPicPr>
-            <a:picLocks noGrp="1" noChangeAspect="1" noChangeArrowheads="1"/>
+            <a:picLocks noChangeAspect="1"/>
           </p:cNvPicPr>
-          <p:nvPr>
-            <p:ph sz="quarter" idx="13"/>
-          </p:nvPr>
+          <p:nvPr/>
         </p:nvPicPr>
         <p:blipFill>
-          <a:blip r:embed="rId2">
-            <a:extLst>
-              <a:ext uri="{28A0092B-C50C-407E-A947-70E740481C1C}">
-                <a14:useLocalDpi xmlns:a14="http://schemas.microsoft.com/office/drawing/2010/main" val="0"/>
-              </a:ext>
-            </a:extLst>
-          </a:blip>
-          <a:srcRect/>
+          <a:blip r:embed="rId2"/>
           <a:stretch>
             <a:fillRect/>
           </a:stretch>
         </p:blipFill>
-        <p:spPr bwMode="auto">
+        <p:spPr>
           <a:xfrm>
-            <a:off x="617171" y="1600200"/>
-            <a:ext cx="7909658" cy="4114800"/>
+            <a:off x="1025860" y="1772816"/>
+            <a:ext cx="7092280" cy="3691149"/>
           </a:xfrm>
           <a:prstGeom prst="rect">
             <a:avLst/>
           </a:prstGeom>
-          <a:noFill/>
-          <a:ln>
-            <a:noFill/>
-          </a:ln>
-          <a:effectLst/>
-          <a:extLst>
-            <a:ext uri="{909E8E84-426E-40DD-AFC4-6F175D3DCCD1}">
-              <a14:hiddenFill xmlns:a14="http://schemas.microsoft.com/office/drawing/2010/main">
-                <a:solidFill>
-                  <a:schemeClr val="accent1"/>
-                </a:solidFill>
-              </a14:hiddenFill>
-            </a:ext>
-            <a:ext uri="{91240B29-F687-4F45-9708-019B960494DF}">
-              <a14:hiddenLine xmlns:a14="http://schemas.microsoft.com/office/drawing/2010/main" w="9525">
-                <a:solidFill>
-                  <a:schemeClr val="tx1"/>
-                </a:solidFill>
-                <a:miter lim="800000"/>
-                <a:headEnd/>
-                <a:tailEnd/>
-              </a14:hiddenLine>
-            </a:ext>
-            <a:ext uri="{AF507438-7753-43E0-B8FC-AC1667EBCBE1}">
-              <a14:hiddenEffects xmlns:a14="http://schemas.microsoft.com/office/drawing/2010/main">
-                <a:effectLst>
-                  <a:outerShdw dist="35921" dir="2700000" algn="ctr" rotWithShape="0">
-                    <a:schemeClr val="bg2"/>
-                  </a:outerShdw>
-                </a:effectLst>
-              </a14:hiddenEffects>
-            </a:ext>
-          </a:extLst>
         </p:spPr>
       </p:pic>
     </p:spTree>
@@ -3838,13 +3805,17 @@
       </p:sp>
       <p:pic>
         <p:nvPicPr>
-          <p:cNvPr id="2050" name="Picture 2"/>
+          <p:cNvPr id="4" name="Picture 702852364">
+            <a:extLst>
+              <a:ext uri="{FF2B5EF4-FFF2-40B4-BE49-F238E27FC236}">
+                <a16:creationId xmlns:a16="http://schemas.microsoft.com/office/drawing/2014/main" id="{0FFA2519-B4ED-453F-93BB-29F0F11A14CC}"/>
+              </a:ext>
+            </a:extLst>
+          </p:cNvPr>
           <p:cNvPicPr>
-            <a:picLocks noGrp="1" noChangeAspect="1" noChangeArrowheads="1"/>
+            <a:picLocks noChangeAspect="1"/>
           </p:cNvPicPr>
-          <p:nvPr>
-            <p:ph sz="quarter" idx="13"/>
-          </p:nvPr>
+          <p:nvPr/>
         </p:nvPicPr>
         <p:blipFill>
           <a:blip r:embed="rId2">
@@ -3858,47 +3829,14 @@
             <a:fillRect/>
           </a:stretch>
         </p:blipFill>
-        <p:spPr bwMode="auto">
+        <p:spPr>
           <a:xfrm>
-            <a:off x="2843808" y="1700808"/>
-            <a:ext cx="3286125" cy="3819525"/>
+            <a:off x="2928937" y="1628800"/>
+            <a:ext cx="3286125" cy="3820206"/>
           </a:xfrm>
           <a:prstGeom prst="rect">
             <a:avLst/>
           </a:prstGeom>
-          <a:noFill/>
-          <a:ln>
-            <a:noFill/>
-          </a:ln>
-          <a:effectLst/>
-          <a:extLst>
-            <a:ext uri="{909E8E84-426E-40DD-AFC4-6F175D3DCCD1}">
-              <a14:hiddenFill xmlns:a14="http://schemas.microsoft.com/office/drawing/2010/main">
-                <a:solidFill>
-                  <a:schemeClr val="accent1"/>
-                </a:solidFill>
-              </a14:hiddenFill>
-            </a:ext>
-            <a:ext uri="{91240B29-F687-4F45-9708-019B960494DF}">
-              <a14:hiddenLine xmlns:a14="http://schemas.microsoft.com/office/drawing/2010/main" w="9525">
-                <a:solidFill>
-                  <a:schemeClr val="tx1"/>
-                </a:solidFill>
-                <a:miter lim="800000"/>
-                <a:headEnd/>
-                <a:tailEnd/>
-              </a14:hiddenLine>
-            </a:ext>
-            <a:ext uri="{AF507438-7753-43E0-B8FC-AC1667EBCBE1}">
-              <a14:hiddenEffects xmlns:a14="http://schemas.microsoft.com/office/drawing/2010/main">
-                <a:effectLst>
-                  <a:outerShdw dist="35921" dir="2700000" algn="ctr" rotWithShape="0">
-                    <a:schemeClr val="bg2"/>
-                  </a:outerShdw>
-                </a:effectLst>
-              </a14:hiddenEffects>
-            </a:ext>
-          </a:extLst>
         </p:spPr>
       </p:pic>
     </p:spTree>
